--- a/res/icon/icon.pptx
+++ b/res/icon/icon.pptx
@@ -107,6 +107,11 @@
       </a:defRPr>
     </a:lvl9pPr>
   </p:defaultTextStyle>
+  <p:extLst>
+    <p:ext uri="{EFAFB233-063F-42B5-8137-9DF3F51BA10A}">
+      <p15:sldGuideLst xmlns:p15="http://schemas.microsoft.com/office/powerpoint/2012/main"/>
+    </p:ext>
+  </p:extLst>
 </p:presentation>
 </file>
 
@@ -4369,7 +4374,7 @@
                 </a:gs>
                 <a:gs pos="0">
                   <a:schemeClr val="bg1">
-                    <a:alpha val="40000"/>
+                    <a:alpha val="20000"/>
                   </a:schemeClr>
                 </a:gs>
                 <a:gs pos="100000">
@@ -5096,8 +5101,8 @@
         </p:blipFill>
         <p:spPr>
           <a:xfrm>
-            <a:off x="-19534414" y="534745"/>
-            <a:ext cx="6858000" cy="6858000"/>
+            <a:off x="-65871272" y="-25068455"/>
+            <a:ext cx="58969656" cy="58969656"/>
           </a:xfrm>
           <a:prstGeom prst="rect">
             <a:avLst/>
@@ -5118,7 +5123,7 @@
           </p:cNvPicPr>
           <p:nvPr/>
         </p:nvPicPr>
-        <p:blipFill>
+        <p:blipFill rotWithShape="1">
           <a:blip r:embed="rId5">
             <a:extLst>
               <a:ext uri="{28A0092B-C50C-407E-A947-70E740481C1C}">
@@ -5129,14 +5134,51 @@
               </a:ext>
             </a:extLst>
           </a:blip>
-          <a:stretch>
-            <a:fillRect/>
-          </a:stretch>
+          <a:srcRect l="2663" t="2663" r="2663" b="2663"/>
+          <a:stretch/>
         </p:blipFill>
         <p:spPr>
           <a:xfrm>
-            <a:off x="-72887342" y="-28151354"/>
-            <a:ext cx="58968141" cy="58968141"/>
+            <a:off x="-65871272" y="-25068455"/>
+            <a:ext cx="58969656" cy="58969656"/>
+          </a:xfrm>
+          <a:prstGeom prst="rect">
+            <a:avLst/>
+          </a:prstGeom>
+        </p:spPr>
+      </p:pic>
+      <p:pic>
+        <p:nvPicPr>
+          <p:cNvPr id="9" name="그래픽 8">
+            <a:extLst>
+              <a:ext uri="{FF2B5EF4-FFF2-40B4-BE49-F238E27FC236}">
+                <a16:creationId xmlns:a16="http://schemas.microsoft.com/office/drawing/2014/main" id="{60474A42-C3DB-C5E5-0559-15846C909B34}"/>
+              </a:ext>
+            </a:extLst>
+          </p:cNvPr>
+          <p:cNvPicPr>
+            <a:picLocks noChangeAspect="1"/>
+          </p:cNvPicPr>
+          <p:nvPr/>
+        </p:nvPicPr>
+        <p:blipFill rotWithShape="1">
+          <a:blip r:embed="rId7">
+            <a:extLst>
+              <a:ext uri="{28A0092B-C50C-407E-A947-70E740481C1C}">
+                <a14:useLocalDpi xmlns:a14="http://schemas.microsoft.com/office/drawing/2010/main" val="0"/>
+              </a:ext>
+              <a:ext uri="{96DAC541-7B7A-43D3-8B79-37D633B846F1}">
+                <asvg:svgBlip xmlns:asvg="http://schemas.microsoft.com/office/drawing/2016/SVG/main" r:embed="rId8"/>
+              </a:ext>
+            </a:extLst>
+          </a:blip>
+          <a:srcRect l="2789" t="2789" r="2789" b="2789"/>
+          <a:stretch/>
+        </p:blipFill>
+        <p:spPr>
+          <a:xfrm>
+            <a:off x="-65871272" y="-25068455"/>
+            <a:ext cx="58969656" cy="58969656"/>
           </a:xfrm>
           <a:prstGeom prst="rect">
             <a:avLst/>
